--- a/텀 프로젝트.pptx
+++ b/텀 프로젝트.pptx
@@ -4479,6 +4479,14 @@
 <file path=ppt/slides/slide11.xml><?xml version="1.0" encoding="utf-8"?>
 <p:sld xmlns:a="http://schemas.openxmlformats.org/drawingml/2006/main" xmlns:r="http://schemas.openxmlformats.org/officeDocument/2006/relationships" xmlns:p="http://schemas.openxmlformats.org/presentationml/2006/main">
   <p:cSld>
+    <p:bg>
+      <p:bgPr>
+        <a:solidFill>
+          <a:schemeClr val="tx1"/>
+        </a:solidFill>
+        <a:effectLst/>
+      </p:bgPr>
+    </p:bg>
     <p:spTree>
       <p:nvGrpSpPr>
         <p:cNvPr id="1" name=""/>
@@ -4493,65 +4501,6 @@
           <a:chExt cx="0" cy="0"/>
         </a:xfrm>
       </p:grpSpPr>
-      <p:pic>
-        <p:nvPicPr>
-          <p:cNvPr id="2" name="图片 1"/>
-          <p:cNvPicPr>
-            <a:picLocks noChangeAspect="1"/>
-          </p:cNvPicPr>
-          <p:nvPr/>
-        </p:nvPicPr>
-        <p:blipFill>
-          <a:blip r:embed="rId2" cstate="print">
-            <a:extLst>
-              <a:ext uri="{28A0092B-C50C-407E-A947-70E740481C1C}">
-                <a14:useLocalDpi xmlns:a14="http://schemas.microsoft.com/office/drawing/2010/main" val="0"/>
-              </a:ext>
-            </a:extLst>
-          </a:blip>
-          <a:stretch>
-            <a:fillRect/>
-          </a:stretch>
-        </p:blipFill>
-        <p:spPr>
-          <a:xfrm>
-            <a:off x="0" y="-7012"/>
-            <a:ext cx="12192000" cy="6858000"/>
-          </a:xfrm>
-          <a:prstGeom prst="rect">
-            <a:avLst/>
-          </a:prstGeom>
-        </p:spPr>
-      </p:pic>
-      <p:pic>
-        <p:nvPicPr>
-          <p:cNvPr id="35" name="图片 34"/>
-          <p:cNvPicPr>
-            <a:picLocks noChangeAspect="1"/>
-          </p:cNvPicPr>
-          <p:nvPr/>
-        </p:nvPicPr>
-        <p:blipFill rotWithShape="1">
-          <a:blip r:embed="rId3" cstate="print">
-            <a:extLst>
-              <a:ext uri="{28A0092B-C50C-407E-A947-70E740481C1C}">
-                <a14:useLocalDpi xmlns:a14="http://schemas.microsoft.com/office/drawing/2010/main" val="0"/>
-              </a:ext>
-            </a:extLst>
-          </a:blip>
-          <a:srcRect l="17470" t="21058" r="15250" b="19616"/>
-          <a:stretch/>
-        </p:blipFill>
-        <p:spPr>
-          <a:xfrm>
-            <a:off x="10210799" y="280904"/>
-            <a:ext cx="1809751" cy="897637"/>
-          </a:xfrm>
-          <a:prstGeom prst="rect">
-            <a:avLst/>
-          </a:prstGeom>
-        </p:spPr>
-      </p:pic>
       <p:sp>
         <p:nvSpPr>
           <p:cNvPr id="3" name="矩形 2"/>
@@ -4788,7 +4737,7 @@
           <p:nvPr/>
         </p:nvPicPr>
         <p:blipFill>
-          <a:blip r:embed="rId4">
+          <a:blip r:embed="rId2">
             <a:extLst>
               <a:ext uri="{28A0092B-C50C-407E-A947-70E740481C1C}">
                 <a14:useLocalDpi xmlns:a14="http://schemas.microsoft.com/office/drawing/2010/main" val="0"/>
@@ -4835,7 +4784,7 @@
           <p:nvPr/>
         </p:nvPicPr>
         <p:blipFill>
-          <a:blip r:embed="rId5" cstate="print">
+          <a:blip r:embed="rId3" cstate="print">
             <a:extLst>
               <a:ext uri="{28A0092B-C50C-407E-A947-70E740481C1C}">
                 <a14:useLocalDpi xmlns:a14="http://schemas.microsoft.com/office/drawing/2010/main" val="0"/>
@@ -4882,7 +4831,7 @@
           <p:nvPr/>
         </p:nvPicPr>
         <p:blipFill>
-          <a:blip r:embed="rId6">
+          <a:blip r:embed="rId4">
             <a:extLst>
               <a:ext uri="{28A0092B-C50C-407E-A947-70E740481C1C}">
                 <a14:useLocalDpi xmlns:a14="http://schemas.microsoft.com/office/drawing/2010/main" val="0"/>
@@ -7076,6 +7025,14 @@
 <file path=ppt/slides/slide4.xml><?xml version="1.0" encoding="utf-8"?>
 <p:sld xmlns:a="http://schemas.openxmlformats.org/drawingml/2006/main" xmlns:r="http://schemas.openxmlformats.org/officeDocument/2006/relationships" xmlns:p="http://schemas.openxmlformats.org/presentationml/2006/main">
   <p:cSld>
+    <p:bg>
+      <p:bgPr>
+        <a:solidFill>
+          <a:schemeClr val="tx1"/>
+        </a:solidFill>
+        <a:effectLst/>
+      </p:bgPr>
+    </p:bg>
     <p:spTree>
       <p:nvGrpSpPr>
         <p:cNvPr id="1" name=""/>
@@ -7090,35 +7047,6 @@
           <a:chExt cx="0" cy="0"/>
         </a:xfrm>
       </p:grpSpPr>
-      <p:pic>
-        <p:nvPicPr>
-          <p:cNvPr id="2" name="图片 1"/>
-          <p:cNvPicPr>
-            <a:picLocks noChangeAspect="1"/>
-          </p:cNvPicPr>
-          <p:nvPr/>
-        </p:nvPicPr>
-        <p:blipFill rotWithShape="1">
-          <a:blip r:embed="rId2">
-            <a:extLst>
-              <a:ext uri="{28A0092B-C50C-407E-A947-70E740481C1C}">
-                <a14:useLocalDpi xmlns:a14="http://schemas.microsoft.com/office/drawing/2010/main" val="0"/>
-              </a:ext>
-            </a:extLst>
-          </a:blip>
-          <a:srcRect b="1666"/>
-          <a:stretch/>
-        </p:blipFill>
-        <p:spPr>
-          <a:xfrm flipH="1">
-            <a:off x="171450" y="-108102"/>
-            <a:ext cx="12192000" cy="7880350"/>
-          </a:xfrm>
-          <a:prstGeom prst="rect">
-            <a:avLst/>
-          </a:prstGeom>
-        </p:spPr>
-      </p:pic>
       <p:grpSp>
         <p:nvGrpSpPr>
           <p:cNvPr id="54" name="组合 53"/>
@@ -8055,35 +7983,6 @@
           </p:txBody>
         </p:sp>
       </p:grpSp>
-      <p:pic>
-        <p:nvPicPr>
-          <p:cNvPr id="57" name="图片 56"/>
-          <p:cNvPicPr>
-            <a:picLocks noChangeAspect="1"/>
-          </p:cNvPicPr>
-          <p:nvPr/>
-        </p:nvPicPr>
-        <p:blipFill rotWithShape="1">
-          <a:blip r:embed="rId3" cstate="print">
-            <a:extLst>
-              <a:ext uri="{28A0092B-C50C-407E-A947-70E740481C1C}">
-                <a14:useLocalDpi xmlns:a14="http://schemas.microsoft.com/office/drawing/2010/main" val="0"/>
-              </a:ext>
-            </a:extLst>
-          </a:blip>
-          <a:srcRect l="17470" t="21058" r="15250" b="19616"/>
-          <a:stretch/>
-        </p:blipFill>
-        <p:spPr>
-          <a:xfrm>
-            <a:off x="10210799" y="280904"/>
-            <a:ext cx="1809751" cy="897637"/>
-          </a:xfrm>
-          <a:prstGeom prst="rect">
-            <a:avLst/>
-          </a:prstGeom>
-        </p:spPr>
-      </p:pic>
       <p:sp>
         <p:nvSpPr>
           <p:cNvPr id="3" name="TextBox 2">
